--- a/reddsion.pptx
+++ b/reddsion.pptx
@@ -5,10 +5,10 @@
     <p:sldMasterId id="2147483648" r:id="rId1"/>
   </p:sldMasterIdLst>
   <p:notesMasterIdLst>
-    <p:notesMasterId r:id="rId11"/>
+    <p:notesMasterId r:id="rId14"/>
   </p:notesMasterIdLst>
   <p:handoutMasterIdLst>
-    <p:handoutMasterId r:id="rId12"/>
+    <p:handoutMasterId r:id="rId15"/>
   </p:handoutMasterIdLst>
   <p:sldIdLst>
     <p:sldId id="267" r:id="rId2"/>
@@ -20,6 +20,9 @@
     <p:sldId id="280" r:id="rId8"/>
     <p:sldId id="281" r:id="rId9"/>
     <p:sldId id="282" r:id="rId10"/>
+    <p:sldId id="283" r:id="rId11"/>
+    <p:sldId id="284" r:id="rId12"/>
+    <p:sldId id="285" r:id="rId13"/>
   </p:sldIdLst>
   <p:sldSz cx="12192000" cy="6858000"/>
   <p:notesSz cx="6858000" cy="9144000"/>
@@ -119,6 +122,29 @@
     </a:lvl9pPr>
   </p:defaultTextStyle>
   <p:extLst>
+    <p:ext uri="{521415D9-36F7-43E2-AB2F-B90AF26B5E84}">
+      <p14:sectionLst xmlns:p14="http://schemas.microsoft.com/office/powerpoint/2010/main">
+        <p14:section name="Default Section" id="{CEFC9339-9001-42FC-949A-E2D80958F55A}">
+          <p14:sldIdLst>
+            <p14:sldId id="267"/>
+            <p14:sldId id="277"/>
+            <p14:sldId id="275"/>
+            <p14:sldId id="276"/>
+            <p14:sldId id="278"/>
+            <p14:sldId id="279"/>
+            <p14:sldId id="280"/>
+            <p14:sldId id="281"/>
+            <p14:sldId id="282"/>
+            <p14:sldId id="283"/>
+            <p14:sldId id="284"/>
+            <p14:sldId id="285"/>
+          </p14:sldIdLst>
+        </p14:section>
+        <p14:section name="Untitled Section" id="{DC809FC3-4795-4E72-996B-CD2506DB927B}">
+          <p14:sldIdLst/>
+        </p14:section>
+      </p14:sectionLst>
+    </p:ext>
     <p:ext uri="{EFAFB233-063F-42B5-8137-9DF3F51BA10A}">
       <p15:sldGuideLst xmlns:p15="http://schemas.microsoft.com/office/powerpoint/2012/main">
         <p15:guide id="1" pos="3840" userDrawn="1">
@@ -222,7 +248,7 @@
           <a:p>
             <a:fld id="{20EA5F0D-C1DC-412F-A146-DDB3A74B588F}" type="datetimeFigureOut">
               <a:rPr lang="en-US"/>
-              <a:t>3/31/2022</a:t>
+              <a:t>4/1/2022</a:t>
             </a:fld>
             <a:endParaRPr/>
           </a:p>
@@ -387,7 +413,7 @@
           <a:p>
             <a:fld id="{A8CDE508-72C8-4AB5-AA9C-1584D31690E0}" type="datetimeFigureOut">
               <a:rPr lang="en-US"/>
-              <a:t>3/31/2022</a:t>
+              <a:t>4/1/2022</a:t>
             </a:fld>
             <a:endParaRPr/>
           </a:p>
@@ -1421,7 +1447,7 @@
           <a:p>
             <a:fld id="{9E583DDF-CA54-461A-A486-592D2374C532}" type="datetimeFigureOut">
               <a:rPr lang="en-US"/>
-              <a:t>3/31/2022</a:t>
+              <a:t>4/1/2022</a:t>
             </a:fld>
             <a:endParaRPr/>
           </a:p>
@@ -1616,7 +1642,7 @@
           <a:p>
             <a:fld id="{9E583DDF-CA54-461A-A486-592D2374C532}" type="datetimeFigureOut">
               <a:rPr lang="en-US"/>
-              <a:t>3/31/2022</a:t>
+              <a:t>4/1/2022</a:t>
             </a:fld>
             <a:endParaRPr/>
           </a:p>
@@ -1805,7 +1831,7 @@
           <a:p>
             <a:fld id="{9E583DDF-CA54-461A-A486-592D2374C532}" type="datetimeFigureOut">
               <a:rPr lang="en-US"/>
-              <a:t>3/31/2022</a:t>
+              <a:t>4/1/2022</a:t>
             </a:fld>
             <a:endParaRPr/>
           </a:p>
@@ -2074,7 +2100,7 @@
           <a:p>
             <a:fld id="{9E583DDF-CA54-461A-A486-592D2374C532}" type="datetimeFigureOut">
               <a:rPr lang="en-US"/>
-              <a:t>3/31/2022</a:t>
+              <a:t>4/1/2022</a:t>
             </a:fld>
             <a:endParaRPr/>
           </a:p>
@@ -2379,7 +2405,7 @@
           <a:p>
             <a:fld id="{1DDA72D1-64D5-4552-ACDD-1CCE5F7F800D}" type="datetimeFigureOut">
               <a:rPr lang="en-US"/>
-              <a:t>3/31/2022</a:t>
+              <a:t>4/1/2022</a:t>
             </a:fld>
             <a:endParaRPr/>
           </a:p>
@@ -2834,7 +2860,7 @@
           <a:p>
             <a:fld id="{9E583DDF-CA54-461A-A486-592D2374C532}" type="datetimeFigureOut">
               <a:rPr lang="en-US"/>
-              <a:t>3/31/2022</a:t>
+              <a:t>4/1/2022</a:t>
             </a:fld>
             <a:endParaRPr/>
           </a:p>
@@ -2967,7 +2993,7 @@
           <a:p>
             <a:fld id="{9E583DDF-CA54-461A-A486-592D2374C532}" type="datetimeFigureOut">
               <a:rPr lang="en-US"/>
-              <a:t>3/31/2022</a:t>
+              <a:t>4/1/2022</a:t>
             </a:fld>
             <a:endParaRPr/>
           </a:p>
@@ -3077,7 +3103,7 @@
           <a:p>
             <a:fld id="{9E583DDF-CA54-461A-A486-592D2374C532}" type="datetimeFigureOut">
               <a:rPr lang="en-US"/>
-              <a:t>3/31/2022</a:t>
+              <a:t>4/1/2022</a:t>
             </a:fld>
             <a:endParaRPr/>
           </a:p>
@@ -3384,7 +3410,7 @@
           <a:p>
             <a:fld id="{9E583DDF-CA54-461A-A486-592D2374C532}" type="datetimeFigureOut">
               <a:rPr lang="en-US"/>
-              <a:t>3/31/2022</a:t>
+              <a:t>4/1/2022</a:t>
             </a:fld>
             <a:endParaRPr/>
           </a:p>
@@ -3704,7 +3730,7 @@
             <a:fld id="{03F41C87-7AD9-4845-A077-840E4A0F3F06}" type="datetimeFigureOut">
               <a:rPr lang="en-US"/>
               <a:pPr/>
-              <a:t>3/31/2022</a:t>
+              <a:t>4/1/2022</a:t>
             </a:fld>
             <a:endParaRPr/>
           </a:p>
@@ -4329,7 +4355,7 @@
             <a:fld id="{9E583DDF-CA54-461A-A486-592D2374C532}" type="datetimeFigureOut">
               <a:rPr lang="en-US" smtClean="0"/>
               <a:pPr/>
-              <a:t>3/31/2022</a:t>
+              <a:t>4/1/2022</a:t>
             </a:fld>
             <a:endParaRPr lang="en-US"/>
           </a:p>
@@ -4787,6 +4813,392 @@
     <p:extLst>
       <p:ext uri="{BB962C8B-B14F-4D97-AF65-F5344CB8AC3E}">
         <p14:creationId xmlns:p14="http://schemas.microsoft.com/office/powerpoint/2010/main" val="547177192"/>
+      </p:ext>
+    </p:extLst>
+  </p:cSld>
+  <p:clrMapOvr>
+    <a:masterClrMapping/>
+  </p:clrMapOvr>
+  <mc:AlternateContent xmlns:mc="http://schemas.openxmlformats.org/markup-compatibility/2006" xmlns:p14="http://schemas.microsoft.com/office/powerpoint/2010/main">
+    <mc:Choice Requires="p14">
+      <p:transition spd="med" p14:dur="700">
+        <p:fade/>
+      </p:transition>
+    </mc:Choice>
+    <mc:Fallback xmlns="">
+      <p:transition spd="med">
+        <p:fade/>
+      </p:transition>
+    </mc:Fallback>
+  </mc:AlternateContent>
+</p:sld>
+</file>
+
+<file path=ppt/slides/slide10.xml><?xml version="1.0" encoding="utf-8"?>
+<p:sld xmlns:a="http://schemas.openxmlformats.org/drawingml/2006/main" xmlns:r="http://schemas.openxmlformats.org/officeDocument/2006/relationships" xmlns:p="http://schemas.openxmlformats.org/presentationml/2006/main">
+  <p:cSld>
+    <p:spTree>
+      <p:nvGrpSpPr>
+        <p:cNvPr id="1" name=""/>
+        <p:cNvGrpSpPr/>
+        <p:nvPr/>
+      </p:nvGrpSpPr>
+      <p:grpSpPr>
+        <a:xfrm>
+          <a:off x="0" y="0"/>
+          <a:ext cx="0" cy="0"/>
+          <a:chOff x="0" y="0"/>
+          <a:chExt cx="0" cy="0"/>
+        </a:xfrm>
+      </p:grpSpPr>
+      <p:sp>
+        <p:nvSpPr>
+          <p:cNvPr id="2" name="Title 1">
+            <a:extLst>
+              <a:ext uri="{FF2B5EF4-FFF2-40B4-BE49-F238E27FC236}">
+                <a16:creationId xmlns:a16="http://schemas.microsoft.com/office/drawing/2014/main" id="{DF7C9507-993D-4069-A555-C6EFCBECFD3F}"/>
+              </a:ext>
+            </a:extLst>
+          </p:cNvPr>
+          <p:cNvSpPr>
+            <a:spLocks noGrp="1"/>
+          </p:cNvSpPr>
+          <p:nvPr>
+            <p:ph type="title"/>
+          </p:nvPr>
+        </p:nvSpPr>
+        <p:spPr/>
+        <p:txBody>
+          <a:bodyPr/>
+          <a:lstStyle/>
+          <a:p>
+            <a:endParaRPr lang="en-IN"/>
+          </a:p>
+        </p:txBody>
+      </p:sp>
+      <p:sp>
+        <p:nvSpPr>
+          <p:cNvPr id="3" name="Content Placeholder 2">
+            <a:extLst>
+              <a:ext uri="{FF2B5EF4-FFF2-40B4-BE49-F238E27FC236}">
+                <a16:creationId xmlns:a16="http://schemas.microsoft.com/office/drawing/2014/main" id="{A9E90DFB-8E69-48C3-85AA-3356F547028D}"/>
+              </a:ext>
+            </a:extLst>
+          </p:cNvPr>
+          <p:cNvSpPr>
+            <a:spLocks noGrp="1"/>
+          </p:cNvSpPr>
+          <p:nvPr>
+            <p:ph idx="1"/>
+          </p:nvPr>
+        </p:nvSpPr>
+        <p:spPr/>
+        <p:txBody>
+          <a:bodyPr/>
+          <a:lstStyle/>
+          <a:p>
+            <a:endParaRPr lang="en-IN"/>
+          </a:p>
+        </p:txBody>
+      </p:sp>
+      <p:pic>
+        <p:nvPicPr>
+          <p:cNvPr id="5" name="Picture 4">
+            <a:extLst>
+              <a:ext uri="{FF2B5EF4-FFF2-40B4-BE49-F238E27FC236}">
+                <a16:creationId xmlns:a16="http://schemas.microsoft.com/office/drawing/2014/main" id="{71E22A0B-9B5A-46AB-ABDE-45F9E6713E0E}"/>
+              </a:ext>
+            </a:extLst>
+          </p:cNvPr>
+          <p:cNvPicPr>
+            <a:picLocks noChangeAspect="1"/>
+          </p:cNvPicPr>
+          <p:nvPr/>
+        </p:nvPicPr>
+        <p:blipFill>
+          <a:blip r:embed="rId2"/>
+          <a:stretch>
+            <a:fillRect/>
+          </a:stretch>
+        </p:blipFill>
+        <p:spPr>
+          <a:xfrm>
+            <a:off x="0" y="0"/>
+            <a:ext cx="12192000" cy="6858000"/>
+          </a:xfrm>
+          <a:prstGeom prst="rect">
+            <a:avLst/>
+          </a:prstGeom>
+          <a:ln>
+            <a:noFill/>
+          </a:ln>
+          <a:effectLst>
+            <a:outerShdw blurRad="292100" dist="139700" dir="2700000" algn="tl" rotWithShape="0">
+              <a:srgbClr val="333333">
+                <a:alpha val="65000"/>
+              </a:srgbClr>
+            </a:outerShdw>
+          </a:effectLst>
+        </p:spPr>
+      </p:pic>
+    </p:spTree>
+    <p:extLst>
+      <p:ext uri="{BB962C8B-B14F-4D97-AF65-F5344CB8AC3E}">
+        <p14:creationId xmlns:p14="http://schemas.microsoft.com/office/powerpoint/2010/main" val="2179719619"/>
+      </p:ext>
+    </p:extLst>
+  </p:cSld>
+  <p:clrMapOvr>
+    <a:masterClrMapping/>
+  </p:clrMapOvr>
+  <mc:AlternateContent xmlns:mc="http://schemas.openxmlformats.org/markup-compatibility/2006" xmlns:p14="http://schemas.microsoft.com/office/powerpoint/2010/main">
+    <mc:Choice Requires="p14">
+      <p:transition spd="med" p14:dur="700">
+        <p:fade/>
+      </p:transition>
+    </mc:Choice>
+    <mc:Fallback xmlns="">
+      <p:transition spd="med">
+        <p:fade/>
+      </p:transition>
+    </mc:Fallback>
+  </mc:AlternateContent>
+</p:sld>
+</file>
+
+<file path=ppt/slides/slide11.xml><?xml version="1.0" encoding="utf-8"?>
+<p:sld xmlns:a="http://schemas.openxmlformats.org/drawingml/2006/main" xmlns:r="http://schemas.openxmlformats.org/officeDocument/2006/relationships" xmlns:p="http://schemas.openxmlformats.org/presentationml/2006/main">
+  <p:cSld>
+    <p:spTree>
+      <p:nvGrpSpPr>
+        <p:cNvPr id="1" name=""/>
+        <p:cNvGrpSpPr/>
+        <p:nvPr/>
+      </p:nvGrpSpPr>
+      <p:grpSpPr>
+        <a:xfrm>
+          <a:off x="0" y="0"/>
+          <a:ext cx="0" cy="0"/>
+          <a:chOff x="0" y="0"/>
+          <a:chExt cx="0" cy="0"/>
+        </a:xfrm>
+      </p:grpSpPr>
+      <p:sp>
+        <p:nvSpPr>
+          <p:cNvPr id="2" name="Title 1">
+            <a:extLst>
+              <a:ext uri="{FF2B5EF4-FFF2-40B4-BE49-F238E27FC236}">
+                <a16:creationId xmlns:a16="http://schemas.microsoft.com/office/drawing/2014/main" id="{BB235F47-6537-44AE-B142-E50A2E12DC9A}"/>
+              </a:ext>
+            </a:extLst>
+          </p:cNvPr>
+          <p:cNvSpPr>
+            <a:spLocks noGrp="1"/>
+          </p:cNvSpPr>
+          <p:nvPr>
+            <p:ph type="title"/>
+          </p:nvPr>
+        </p:nvSpPr>
+        <p:spPr/>
+        <p:txBody>
+          <a:bodyPr/>
+          <a:lstStyle/>
+          <a:p>
+            <a:endParaRPr lang="en-IN"/>
+          </a:p>
+        </p:txBody>
+      </p:sp>
+      <p:sp>
+        <p:nvSpPr>
+          <p:cNvPr id="3" name="Content Placeholder 2">
+            <a:extLst>
+              <a:ext uri="{FF2B5EF4-FFF2-40B4-BE49-F238E27FC236}">
+                <a16:creationId xmlns:a16="http://schemas.microsoft.com/office/drawing/2014/main" id="{D04EDCFF-0A6D-45C5-8DFB-3B11DEC9B375}"/>
+              </a:ext>
+            </a:extLst>
+          </p:cNvPr>
+          <p:cNvSpPr>
+            <a:spLocks noGrp="1"/>
+          </p:cNvSpPr>
+          <p:nvPr>
+            <p:ph idx="1"/>
+          </p:nvPr>
+        </p:nvSpPr>
+        <p:spPr/>
+        <p:txBody>
+          <a:bodyPr/>
+          <a:lstStyle/>
+          <a:p>
+            <a:endParaRPr lang="en-IN"/>
+          </a:p>
+        </p:txBody>
+      </p:sp>
+      <p:pic>
+        <p:nvPicPr>
+          <p:cNvPr id="5" name="Picture 4">
+            <a:extLst>
+              <a:ext uri="{FF2B5EF4-FFF2-40B4-BE49-F238E27FC236}">
+                <a16:creationId xmlns:a16="http://schemas.microsoft.com/office/drawing/2014/main" id="{6A52823B-2ED7-46E6-AD1A-DC508AA69701}"/>
+              </a:ext>
+            </a:extLst>
+          </p:cNvPr>
+          <p:cNvPicPr>
+            <a:picLocks noChangeAspect="1"/>
+          </p:cNvPicPr>
+          <p:nvPr/>
+        </p:nvPicPr>
+        <p:blipFill>
+          <a:blip r:embed="rId2"/>
+          <a:stretch>
+            <a:fillRect/>
+          </a:stretch>
+        </p:blipFill>
+        <p:spPr>
+          <a:xfrm>
+            <a:off x="0" y="0"/>
+            <a:ext cx="12192000" cy="6858000"/>
+          </a:xfrm>
+          <a:prstGeom prst="rect">
+            <a:avLst/>
+          </a:prstGeom>
+          <a:ln>
+            <a:noFill/>
+          </a:ln>
+          <a:effectLst>
+            <a:outerShdw blurRad="292100" dist="139700" dir="2700000" algn="tl" rotWithShape="0">
+              <a:srgbClr val="333333">
+                <a:alpha val="65000"/>
+              </a:srgbClr>
+            </a:outerShdw>
+          </a:effectLst>
+        </p:spPr>
+      </p:pic>
+    </p:spTree>
+    <p:extLst>
+      <p:ext uri="{BB962C8B-B14F-4D97-AF65-F5344CB8AC3E}">
+        <p14:creationId xmlns:p14="http://schemas.microsoft.com/office/powerpoint/2010/main" val="143378606"/>
+      </p:ext>
+    </p:extLst>
+  </p:cSld>
+  <p:clrMapOvr>
+    <a:masterClrMapping/>
+  </p:clrMapOvr>
+  <mc:AlternateContent xmlns:mc="http://schemas.openxmlformats.org/markup-compatibility/2006" xmlns:p14="http://schemas.microsoft.com/office/powerpoint/2010/main">
+    <mc:Choice Requires="p14">
+      <p:transition spd="med" p14:dur="700">
+        <p:fade/>
+      </p:transition>
+    </mc:Choice>
+    <mc:Fallback xmlns="">
+      <p:transition spd="med">
+        <p:fade/>
+      </p:transition>
+    </mc:Fallback>
+  </mc:AlternateContent>
+</p:sld>
+</file>
+
+<file path=ppt/slides/slide12.xml><?xml version="1.0" encoding="utf-8"?>
+<p:sld xmlns:a="http://schemas.openxmlformats.org/drawingml/2006/main" xmlns:r="http://schemas.openxmlformats.org/officeDocument/2006/relationships" xmlns:p="http://schemas.openxmlformats.org/presentationml/2006/main">
+  <p:cSld>
+    <p:spTree>
+      <p:nvGrpSpPr>
+        <p:cNvPr id="1" name=""/>
+        <p:cNvGrpSpPr/>
+        <p:nvPr/>
+      </p:nvGrpSpPr>
+      <p:grpSpPr>
+        <a:xfrm>
+          <a:off x="0" y="0"/>
+          <a:ext cx="0" cy="0"/>
+          <a:chOff x="0" y="0"/>
+          <a:chExt cx="0" cy="0"/>
+        </a:xfrm>
+      </p:grpSpPr>
+      <p:sp>
+        <p:nvSpPr>
+          <p:cNvPr id="2" name="Title 1">
+            <a:extLst>
+              <a:ext uri="{FF2B5EF4-FFF2-40B4-BE49-F238E27FC236}">
+                <a16:creationId xmlns:a16="http://schemas.microsoft.com/office/drawing/2014/main" id="{10F584D1-4C06-4C24-BDA1-8439CD8DE51D}"/>
+              </a:ext>
+            </a:extLst>
+          </p:cNvPr>
+          <p:cNvSpPr>
+            <a:spLocks noGrp="1"/>
+          </p:cNvSpPr>
+          <p:nvPr>
+            <p:ph type="title"/>
+          </p:nvPr>
+        </p:nvSpPr>
+        <p:spPr/>
+        <p:txBody>
+          <a:bodyPr/>
+          <a:lstStyle/>
+          <a:p>
+            <a:endParaRPr lang="en-IN"/>
+          </a:p>
+        </p:txBody>
+      </p:sp>
+      <p:sp>
+        <p:nvSpPr>
+          <p:cNvPr id="3" name="Content Placeholder 2">
+            <a:extLst>
+              <a:ext uri="{FF2B5EF4-FFF2-40B4-BE49-F238E27FC236}">
+                <a16:creationId xmlns:a16="http://schemas.microsoft.com/office/drawing/2014/main" id="{EDE9D7C5-C282-4E48-BEB8-4C2E52F9FE20}"/>
+              </a:ext>
+            </a:extLst>
+          </p:cNvPr>
+          <p:cNvSpPr>
+            <a:spLocks noGrp="1"/>
+          </p:cNvSpPr>
+          <p:nvPr>
+            <p:ph idx="1"/>
+          </p:nvPr>
+        </p:nvSpPr>
+        <p:spPr/>
+        <p:txBody>
+          <a:bodyPr/>
+          <a:lstStyle/>
+          <a:p>
+            <a:endParaRPr lang="en-IN"/>
+          </a:p>
+        </p:txBody>
+      </p:sp>
+      <p:pic>
+        <p:nvPicPr>
+          <p:cNvPr id="5" name="Picture 4">
+            <a:extLst>
+              <a:ext uri="{FF2B5EF4-FFF2-40B4-BE49-F238E27FC236}">
+                <a16:creationId xmlns:a16="http://schemas.microsoft.com/office/drawing/2014/main" id="{649DF611-6F2E-4850-AEE4-BBB912EAE16E}"/>
+              </a:ext>
+            </a:extLst>
+          </p:cNvPr>
+          <p:cNvPicPr>
+            <a:picLocks noChangeAspect="1"/>
+          </p:cNvPicPr>
+          <p:nvPr/>
+        </p:nvPicPr>
+        <p:blipFill>
+          <a:blip r:embed="rId2"/>
+          <a:stretch>
+            <a:fillRect/>
+          </a:stretch>
+        </p:blipFill>
+        <p:spPr>
+          <a:xfrm>
+            <a:off x="0" y="0"/>
+            <a:ext cx="12192000" cy="6858000"/>
+          </a:xfrm>
+          <a:prstGeom prst="rect">
+            <a:avLst/>
+          </a:prstGeom>
+        </p:spPr>
+      </p:pic>
+    </p:spTree>
+    <p:extLst>
+      <p:ext uri="{BB962C8B-B14F-4D97-AF65-F5344CB8AC3E}">
+        <p14:creationId xmlns:p14="http://schemas.microsoft.com/office/powerpoint/2010/main" val="2757189736"/>
       </p:ext>
     </p:extLst>
   </p:cSld>

--- a/reddsion.pptx
+++ b/reddsion.pptx
@@ -5,10 +5,10 @@
     <p:sldMasterId id="2147483648" r:id="rId1"/>
   </p:sldMasterIdLst>
   <p:notesMasterIdLst>
-    <p:notesMasterId r:id="rId14"/>
+    <p:notesMasterId r:id="rId15"/>
   </p:notesMasterIdLst>
   <p:handoutMasterIdLst>
-    <p:handoutMasterId r:id="rId15"/>
+    <p:handoutMasterId r:id="rId16"/>
   </p:handoutMasterIdLst>
   <p:sldIdLst>
     <p:sldId id="267" r:id="rId2"/>
@@ -23,6 +23,7 @@
     <p:sldId id="283" r:id="rId11"/>
     <p:sldId id="284" r:id="rId12"/>
     <p:sldId id="285" r:id="rId13"/>
+    <p:sldId id="286" r:id="rId14"/>
   </p:sldIdLst>
   <p:sldSz cx="12192000" cy="6858000"/>
   <p:notesSz cx="6858000" cy="9144000"/>
@@ -138,6 +139,7 @@
             <p14:sldId id="283"/>
             <p14:sldId id="284"/>
             <p14:sldId id="285"/>
+            <p14:sldId id="286"/>
           </p14:sldIdLst>
         </p14:section>
         <p14:section name="Untitled Section" id="{DC809FC3-4795-4E72-996B-CD2506DB927B}">
@@ -248,7 +250,7 @@
           <a:p>
             <a:fld id="{20EA5F0D-C1DC-412F-A146-DDB3A74B588F}" type="datetimeFigureOut">
               <a:rPr lang="en-US"/>
-              <a:t>4/1/2022</a:t>
+              <a:t>4/3/2022</a:t>
             </a:fld>
             <a:endParaRPr/>
           </a:p>
@@ -413,7 +415,7 @@
           <a:p>
             <a:fld id="{A8CDE508-72C8-4AB5-AA9C-1584D31690E0}" type="datetimeFigureOut">
               <a:rPr lang="en-US"/>
-              <a:t>4/1/2022</a:t>
+              <a:t>4/3/2022</a:t>
             </a:fld>
             <a:endParaRPr/>
           </a:p>
@@ -1447,7 +1449,7 @@
           <a:p>
             <a:fld id="{9E583DDF-CA54-461A-A486-592D2374C532}" type="datetimeFigureOut">
               <a:rPr lang="en-US"/>
-              <a:t>4/1/2022</a:t>
+              <a:t>4/3/2022</a:t>
             </a:fld>
             <a:endParaRPr/>
           </a:p>
@@ -1642,7 +1644,7 @@
           <a:p>
             <a:fld id="{9E583DDF-CA54-461A-A486-592D2374C532}" type="datetimeFigureOut">
               <a:rPr lang="en-US"/>
-              <a:t>4/1/2022</a:t>
+              <a:t>4/3/2022</a:t>
             </a:fld>
             <a:endParaRPr/>
           </a:p>
@@ -1831,7 +1833,7 @@
           <a:p>
             <a:fld id="{9E583DDF-CA54-461A-A486-592D2374C532}" type="datetimeFigureOut">
               <a:rPr lang="en-US"/>
-              <a:t>4/1/2022</a:t>
+              <a:t>4/3/2022</a:t>
             </a:fld>
             <a:endParaRPr/>
           </a:p>
@@ -2100,7 +2102,7 @@
           <a:p>
             <a:fld id="{9E583DDF-CA54-461A-A486-592D2374C532}" type="datetimeFigureOut">
               <a:rPr lang="en-US"/>
-              <a:t>4/1/2022</a:t>
+              <a:t>4/3/2022</a:t>
             </a:fld>
             <a:endParaRPr/>
           </a:p>
@@ -2405,7 +2407,7 @@
           <a:p>
             <a:fld id="{1DDA72D1-64D5-4552-ACDD-1CCE5F7F800D}" type="datetimeFigureOut">
               <a:rPr lang="en-US"/>
-              <a:t>4/1/2022</a:t>
+              <a:t>4/3/2022</a:t>
             </a:fld>
             <a:endParaRPr/>
           </a:p>
@@ -2860,7 +2862,7 @@
           <a:p>
             <a:fld id="{9E583DDF-CA54-461A-A486-592D2374C532}" type="datetimeFigureOut">
               <a:rPr lang="en-US"/>
-              <a:t>4/1/2022</a:t>
+              <a:t>4/3/2022</a:t>
             </a:fld>
             <a:endParaRPr/>
           </a:p>
@@ -2993,7 +2995,7 @@
           <a:p>
             <a:fld id="{9E583DDF-CA54-461A-A486-592D2374C532}" type="datetimeFigureOut">
               <a:rPr lang="en-US"/>
-              <a:t>4/1/2022</a:t>
+              <a:t>4/3/2022</a:t>
             </a:fld>
             <a:endParaRPr/>
           </a:p>
@@ -3103,7 +3105,7 @@
           <a:p>
             <a:fld id="{9E583DDF-CA54-461A-A486-592D2374C532}" type="datetimeFigureOut">
               <a:rPr lang="en-US"/>
-              <a:t>4/1/2022</a:t>
+              <a:t>4/3/2022</a:t>
             </a:fld>
             <a:endParaRPr/>
           </a:p>
@@ -3410,7 +3412,7 @@
           <a:p>
             <a:fld id="{9E583DDF-CA54-461A-A486-592D2374C532}" type="datetimeFigureOut">
               <a:rPr lang="en-US"/>
-              <a:t>4/1/2022</a:t>
+              <a:t>4/3/2022</a:t>
             </a:fld>
             <a:endParaRPr/>
           </a:p>
@@ -3730,7 +3732,7 @@
             <a:fld id="{03F41C87-7AD9-4845-A077-840E4A0F3F06}" type="datetimeFigureOut">
               <a:rPr lang="en-US"/>
               <a:pPr/>
-              <a:t>4/1/2022</a:t>
+              <a:t>4/3/2022</a:t>
             </a:fld>
             <a:endParaRPr/>
           </a:p>
@@ -4355,7 +4357,7 @@
             <a:fld id="{9E583DDF-CA54-461A-A486-592D2374C532}" type="datetimeFigureOut">
               <a:rPr lang="en-US" smtClean="0"/>
               <a:pPr/>
-              <a:t>4/1/2022</a:t>
+              <a:t>4/3/2022</a:t>
             </a:fld>
             <a:endParaRPr lang="en-US"/>
           </a:p>
@@ -4777,13 +4779,8 @@
           <a:p>
             <a:r>
               <a:rPr lang="en-US" dirty="0"/>
-              <a:t>ReddisonCache </a:t>
-            </a:r>
-            <a:r>
-              <a:rPr lang="en-US" dirty="0" err="1"/>
-              <a:t>Archtecture</a:t>
-            </a:r>
-            <a:endParaRPr lang="en-US" dirty="0"/>
+              <a:t>ReddisonCache Architecture</a:t>
+            </a:r>
           </a:p>
         </p:txBody>
       </p:sp>
@@ -5199,6 +5196,128 @@
     <p:extLst>
       <p:ext uri="{BB962C8B-B14F-4D97-AF65-F5344CB8AC3E}">
         <p14:creationId xmlns:p14="http://schemas.microsoft.com/office/powerpoint/2010/main" val="2757189736"/>
+      </p:ext>
+    </p:extLst>
+  </p:cSld>
+  <p:clrMapOvr>
+    <a:masterClrMapping/>
+  </p:clrMapOvr>
+  <mc:AlternateContent xmlns:mc="http://schemas.openxmlformats.org/markup-compatibility/2006" xmlns:p14="http://schemas.microsoft.com/office/powerpoint/2010/main">
+    <mc:Choice Requires="p14">
+      <p:transition spd="med" p14:dur="700">
+        <p:fade/>
+      </p:transition>
+    </mc:Choice>
+    <mc:Fallback xmlns="">
+      <p:transition spd="med">
+        <p:fade/>
+      </p:transition>
+    </mc:Fallback>
+  </mc:AlternateContent>
+</p:sld>
+</file>
+
+<file path=ppt/slides/slide13.xml><?xml version="1.0" encoding="utf-8"?>
+<p:sld xmlns:a="http://schemas.openxmlformats.org/drawingml/2006/main" xmlns:r="http://schemas.openxmlformats.org/officeDocument/2006/relationships" xmlns:p="http://schemas.openxmlformats.org/presentationml/2006/main">
+  <p:cSld>
+    <p:spTree>
+      <p:nvGrpSpPr>
+        <p:cNvPr id="1" name=""/>
+        <p:cNvGrpSpPr/>
+        <p:nvPr/>
+      </p:nvGrpSpPr>
+      <p:grpSpPr>
+        <a:xfrm>
+          <a:off x="0" y="0"/>
+          <a:ext cx="0" cy="0"/>
+          <a:chOff x="0" y="0"/>
+          <a:chExt cx="0" cy="0"/>
+        </a:xfrm>
+      </p:grpSpPr>
+      <p:sp>
+        <p:nvSpPr>
+          <p:cNvPr id="2" name="Title 1">
+            <a:extLst>
+              <a:ext uri="{FF2B5EF4-FFF2-40B4-BE49-F238E27FC236}">
+                <a16:creationId xmlns:a16="http://schemas.microsoft.com/office/drawing/2014/main" id="{8BA3A1F8-7E69-4B28-96AF-7BC0B6F0F989}"/>
+              </a:ext>
+            </a:extLst>
+          </p:cNvPr>
+          <p:cNvSpPr>
+            <a:spLocks noGrp="1"/>
+          </p:cNvSpPr>
+          <p:nvPr>
+            <p:ph type="title"/>
+          </p:nvPr>
+        </p:nvSpPr>
+        <p:spPr/>
+        <p:txBody>
+          <a:bodyPr/>
+          <a:lstStyle/>
+          <a:p>
+            <a:endParaRPr lang="en-IN"/>
+          </a:p>
+        </p:txBody>
+      </p:sp>
+      <p:sp>
+        <p:nvSpPr>
+          <p:cNvPr id="3" name="Content Placeholder 2">
+            <a:extLst>
+              <a:ext uri="{FF2B5EF4-FFF2-40B4-BE49-F238E27FC236}">
+                <a16:creationId xmlns:a16="http://schemas.microsoft.com/office/drawing/2014/main" id="{1B5A656D-C388-403C-85C3-2F5163EF9523}"/>
+              </a:ext>
+            </a:extLst>
+          </p:cNvPr>
+          <p:cNvSpPr>
+            <a:spLocks noGrp="1"/>
+          </p:cNvSpPr>
+          <p:nvPr>
+            <p:ph idx="1"/>
+          </p:nvPr>
+        </p:nvSpPr>
+        <p:spPr/>
+        <p:txBody>
+          <a:bodyPr/>
+          <a:lstStyle/>
+          <a:p>
+            <a:endParaRPr lang="en-IN"/>
+          </a:p>
+        </p:txBody>
+      </p:sp>
+      <p:pic>
+        <p:nvPicPr>
+          <p:cNvPr id="5" name="Picture 4">
+            <a:extLst>
+              <a:ext uri="{FF2B5EF4-FFF2-40B4-BE49-F238E27FC236}">
+                <a16:creationId xmlns:a16="http://schemas.microsoft.com/office/drawing/2014/main" id="{4FCF10ED-A49B-44E4-AFE1-EAA51C2D5DE0}"/>
+              </a:ext>
+            </a:extLst>
+          </p:cNvPr>
+          <p:cNvPicPr>
+            <a:picLocks noChangeAspect="1"/>
+          </p:cNvPicPr>
+          <p:nvPr/>
+        </p:nvPicPr>
+        <p:blipFill>
+          <a:blip r:embed="rId2"/>
+          <a:stretch>
+            <a:fillRect/>
+          </a:stretch>
+        </p:blipFill>
+        <p:spPr>
+          <a:xfrm>
+            <a:off x="0" y="0"/>
+            <a:ext cx="12192000" cy="6858000"/>
+          </a:xfrm>
+          <a:prstGeom prst="rect">
+            <a:avLst/>
+          </a:prstGeom>
+        </p:spPr>
+      </p:pic>
+    </p:spTree>
+    <p:extLst>
+      <p:ext uri="{BB962C8B-B14F-4D97-AF65-F5344CB8AC3E}">
+        <p14:creationId xmlns:p14="http://schemas.microsoft.com/office/powerpoint/2010/main" val="664708956"/>
       </p:ext>
     </p:extLst>
   </p:cSld>
